--- a/Documentation/Done/Презентация Бирюков 4412.pptx
+++ b/Documentation/Done/Презентация Бирюков 4412.pptx
@@ -210,7 +210,7 @@
             <a:fld id="{BAAF70DE-88EF-4337-B0E3-9F985545965B}" type="datetimeFigureOut">
               <a:rPr lang="ru-RU" smtClean="0"/>
               <a:pPr/>
-              <a:t>30.05.2019</a:t>
+              <a:t>02.06.2019</a:t>
             </a:fld>
             <a:endParaRPr lang="ru-RU"/>
           </a:p>
@@ -740,7 +740,7 @@
             <a:fld id="{5B106E36-FD25-4E2D-B0AA-010F637433A0}" type="datetimeFigureOut">
               <a:rPr lang="ru-RU" smtClean="0"/>
               <a:pPr/>
-              <a:t>30.05.2019</a:t>
+              <a:t>02.06.2019</a:t>
             </a:fld>
             <a:endParaRPr lang="ru-RU"/>
           </a:p>
@@ -907,7 +907,7 @@
             <a:fld id="{5B106E36-FD25-4E2D-B0AA-010F637433A0}" type="datetimeFigureOut">
               <a:rPr lang="ru-RU" smtClean="0"/>
               <a:pPr/>
-              <a:t>30.05.2019</a:t>
+              <a:t>02.06.2019</a:t>
             </a:fld>
             <a:endParaRPr lang="ru-RU"/>
           </a:p>
@@ -1084,7 +1084,7 @@
             <a:fld id="{5B106E36-FD25-4E2D-B0AA-010F637433A0}" type="datetimeFigureOut">
               <a:rPr lang="ru-RU" smtClean="0"/>
               <a:pPr/>
-              <a:t>30.05.2019</a:t>
+              <a:t>02.06.2019</a:t>
             </a:fld>
             <a:endParaRPr lang="ru-RU"/>
           </a:p>
@@ -1251,7 +1251,7 @@
             <a:fld id="{5B106E36-FD25-4E2D-B0AA-010F637433A0}" type="datetimeFigureOut">
               <a:rPr lang="ru-RU" smtClean="0"/>
               <a:pPr/>
-              <a:t>30.05.2019</a:t>
+              <a:t>02.06.2019</a:t>
             </a:fld>
             <a:endParaRPr lang="ru-RU"/>
           </a:p>
@@ -1494,7 +1494,7 @@
             <a:fld id="{5B106E36-FD25-4E2D-B0AA-010F637433A0}" type="datetimeFigureOut">
               <a:rPr lang="ru-RU" smtClean="0"/>
               <a:pPr/>
-              <a:t>30.05.2019</a:t>
+              <a:t>02.06.2019</a:t>
             </a:fld>
             <a:endParaRPr lang="ru-RU"/>
           </a:p>
@@ -1779,7 +1779,7 @@
             <a:fld id="{5B106E36-FD25-4E2D-B0AA-010F637433A0}" type="datetimeFigureOut">
               <a:rPr lang="ru-RU" smtClean="0"/>
               <a:pPr/>
-              <a:t>30.05.2019</a:t>
+              <a:t>02.06.2019</a:t>
             </a:fld>
             <a:endParaRPr lang="ru-RU"/>
           </a:p>
@@ -2198,7 +2198,7 @@
             <a:fld id="{5B106E36-FD25-4E2D-B0AA-010F637433A0}" type="datetimeFigureOut">
               <a:rPr lang="ru-RU" smtClean="0"/>
               <a:pPr/>
-              <a:t>30.05.2019</a:t>
+              <a:t>02.06.2019</a:t>
             </a:fld>
             <a:endParaRPr lang="ru-RU"/>
           </a:p>
@@ -2313,7 +2313,7 @@
             <a:fld id="{5B106E36-FD25-4E2D-B0AA-010F637433A0}" type="datetimeFigureOut">
               <a:rPr lang="ru-RU" smtClean="0"/>
               <a:pPr/>
-              <a:t>30.05.2019</a:t>
+              <a:t>02.06.2019</a:t>
             </a:fld>
             <a:endParaRPr lang="ru-RU"/>
           </a:p>
@@ -2405,7 +2405,7 @@
             <a:fld id="{5B106E36-FD25-4E2D-B0AA-010F637433A0}" type="datetimeFigureOut">
               <a:rPr lang="ru-RU" smtClean="0"/>
               <a:pPr/>
-              <a:t>30.05.2019</a:t>
+              <a:t>02.06.2019</a:t>
             </a:fld>
             <a:endParaRPr lang="ru-RU"/>
           </a:p>
@@ -2679,7 +2679,7 @@
             <a:fld id="{5B106E36-FD25-4E2D-B0AA-010F637433A0}" type="datetimeFigureOut">
               <a:rPr lang="ru-RU" smtClean="0"/>
               <a:pPr/>
-              <a:t>30.05.2019</a:t>
+              <a:t>02.06.2019</a:t>
             </a:fld>
             <a:endParaRPr lang="ru-RU"/>
           </a:p>
@@ -2929,7 +2929,7 @@
             <a:fld id="{5B106E36-FD25-4E2D-B0AA-010F637433A0}" type="datetimeFigureOut">
               <a:rPr lang="ru-RU" smtClean="0"/>
               <a:pPr/>
-              <a:t>30.05.2019</a:t>
+              <a:t>02.06.2019</a:t>
             </a:fld>
             <a:endParaRPr lang="ru-RU"/>
           </a:p>
@@ -3139,7 +3139,7 @@
             <a:fld id="{5B106E36-FD25-4E2D-B0AA-010F637433A0}" type="datetimeFigureOut">
               <a:rPr lang="ru-RU" smtClean="0"/>
               <a:pPr/>
-              <a:t>30.05.2019</a:t>
+              <a:t>02.06.2019</a:t>
             </a:fld>
             <a:endParaRPr lang="ru-RU"/>
           </a:p>
@@ -3533,52 +3533,52 @@
           <a:lstStyle/>
           <a:p>
             <a:r>
-              <a:rPr lang="ru-RU" altLang="ru-RU" sz="2400" dirty="0" smtClean="0">
+              <a:rPr lang="ru-RU" altLang="ru-RU" sz="3200" dirty="0" smtClean="0">
                 <a:latin typeface="Times New Roman" pitchFamily="18" charset="0"/>
                 <a:cs typeface="Times New Roman" pitchFamily="18" charset="0"/>
               </a:rPr>
               <a:t>Выпускная квалификационная работа </a:t>
             </a:r>
             <a:br>
-              <a:rPr lang="ru-RU" altLang="ru-RU" sz="2400" dirty="0" smtClean="0">
+              <a:rPr lang="ru-RU" altLang="ru-RU" sz="3200" dirty="0" smtClean="0">
                 <a:latin typeface="Times New Roman" pitchFamily="18" charset="0"/>
                 <a:cs typeface="Times New Roman" pitchFamily="18" charset="0"/>
               </a:rPr>
             </a:br>
             <a:r>
-              <a:rPr lang="ru-RU" altLang="ru-RU" sz="2400" dirty="0" smtClean="0">
+              <a:rPr lang="ru-RU" altLang="ru-RU" sz="3200" dirty="0" smtClean="0">
                 <a:latin typeface="Times New Roman" pitchFamily="18" charset="0"/>
                 <a:cs typeface="Times New Roman" pitchFamily="18" charset="0"/>
               </a:rPr>
               <a:t>на тему:</a:t>
             </a:r>
             <a:br>
-              <a:rPr lang="ru-RU" altLang="ru-RU" sz="2400" dirty="0" smtClean="0">
+              <a:rPr lang="ru-RU" altLang="ru-RU" sz="3200" dirty="0" smtClean="0">
                 <a:latin typeface="Times New Roman" pitchFamily="18" charset="0"/>
                 <a:cs typeface="Times New Roman" pitchFamily="18" charset="0"/>
               </a:rPr>
             </a:br>
             <a:r>
-              <a:rPr lang="ru-RU" sz="2400" dirty="0" smtClean="0">
+              <a:rPr lang="ru-RU" sz="3200" dirty="0" smtClean="0">
                 <a:latin typeface="Times New Roman" pitchFamily="18" charset="0"/>
                 <a:cs typeface="Times New Roman" pitchFamily="18" charset="0"/>
               </a:rPr>
               <a:t>Реализация численных методов решения негладких экстремальных задач</a:t>
             </a:r>
             <a:r>
-              <a:rPr lang="ru-RU" altLang="ru-RU" sz="2400" dirty="0" smtClean="0">
+              <a:rPr lang="ru-RU" altLang="ru-RU" sz="3200" dirty="0" smtClean="0">
                 <a:latin typeface="Times New Roman" pitchFamily="18" charset="0"/>
                 <a:cs typeface="Times New Roman" pitchFamily="18" charset="0"/>
               </a:rPr>
               <a:t/>
             </a:r>
             <a:br>
-              <a:rPr lang="ru-RU" altLang="ru-RU" sz="2400" dirty="0" smtClean="0">
+              <a:rPr lang="ru-RU" altLang="ru-RU" sz="3200" dirty="0" smtClean="0">
                 <a:latin typeface="Times New Roman" pitchFamily="18" charset="0"/>
                 <a:cs typeface="Times New Roman" pitchFamily="18" charset="0"/>
               </a:rPr>
             </a:br>
-            <a:endParaRPr lang="ru-RU" sz="2400" dirty="0">
+            <a:endParaRPr lang="ru-RU" sz="3200" dirty="0">
               <a:latin typeface="Times New Roman" pitchFamily="18" charset="0"/>
               <a:cs typeface="Times New Roman" pitchFamily="18" charset="0"/>
             </a:endParaRPr>
@@ -3792,21 +3792,10 @@
           </a:bodyPr>
           <a:lstStyle/>
           <a:p>
-            <a:pPr marL="0" marR="0" lvl="0" indent="0" algn="ctr" defTabSz="914400" rtl="0" eaLnBrk="1" fontAlgn="auto" latinLnBrk="0" hangingPunct="1">
-              <a:lnSpc>
-                <a:spcPct val="100000"/>
-              </a:lnSpc>
+            <a:pPr lvl="0" algn="ctr">
               <a:spcBef>
                 <a:spcPct val="0"/>
               </a:spcBef>
-              <a:spcAft>
-                <a:spcPts val="0"/>
-              </a:spcAft>
-              <a:buClrTx/>
-              <a:buSzTx/>
-              <a:buFontTx/>
-              <a:buNone/>
-              <a:tabLst/>
               <a:defRPr/>
             </a:pPr>
             <a:r>
@@ -3821,7 +3810,84 @@
                 <a:ea typeface="+mj-ea"/>
                 <a:cs typeface="Times New Roman" pitchFamily="18" charset="0"/>
               </a:rPr>
-              <a:t>МИНИСТЕРСТВО ОБРАЗОВАНИЯ И НАУКИ РОССИЙСКОЙ ФЕДЕРАЦИИ</a:t>
+              <a:t>МИНИСТЕРСТВО </a:t>
+            </a:r>
+            <a:r>
+              <a:rPr kumimoji="0" lang="ru-RU" altLang="ru-RU" sz="1600" b="0" i="0" u="none" strike="noStrike" kern="1200" cap="none" spc="0" normalizeH="0" baseline="0" noProof="0" dirty="0" smtClean="0">
+                <a:ln>
+                  <a:noFill/>
+                </a:ln>
+                <a:effectLst/>
+                <a:uLnTx/>
+                <a:uFillTx/>
+                <a:latin typeface="Times New Roman" pitchFamily="18" charset="0"/>
+                <a:ea typeface="+mj-ea"/>
+                <a:cs typeface="Times New Roman" pitchFamily="18" charset="0"/>
+              </a:rPr>
+              <a:t>НАУКИ И</a:t>
+            </a:r>
+            <a:r>
+              <a:rPr kumimoji="0" lang="ru-RU" altLang="ru-RU" sz="1600" b="0" i="0" u="none" strike="noStrike" kern="1200" cap="none" spc="0" normalizeH="0" noProof="0" dirty="0" smtClean="0">
+                <a:ln>
+                  <a:noFill/>
+                </a:ln>
+                <a:effectLst/>
+                <a:uLnTx/>
+                <a:uFillTx/>
+                <a:latin typeface="Times New Roman" pitchFamily="18" charset="0"/>
+                <a:ea typeface="+mj-ea"/>
+                <a:cs typeface="Times New Roman" pitchFamily="18" charset="0"/>
+              </a:rPr>
+              <a:t> ВЫСШЕГО</a:t>
+            </a:r>
+            <a:r>
+              <a:rPr kumimoji="0" lang="ru-RU" altLang="ru-RU" sz="1600" b="0" i="0" u="none" strike="noStrike" kern="1200" cap="none" spc="0" normalizeH="0" baseline="0" noProof="0" dirty="0" smtClean="0">
+                <a:ln>
+                  <a:noFill/>
+                </a:ln>
+                <a:effectLst/>
+                <a:uLnTx/>
+                <a:uFillTx/>
+                <a:latin typeface="Times New Roman" pitchFamily="18" charset="0"/>
+                <a:ea typeface="+mj-ea"/>
+                <a:cs typeface="Times New Roman" pitchFamily="18" charset="0"/>
+              </a:rPr>
+              <a:t> </a:t>
+            </a:r>
+            <a:r>
+              <a:rPr lang="ru-RU" altLang="ru-RU" sz="1600" dirty="0" smtClean="0">
+                <a:latin typeface="Times New Roman" pitchFamily="18" charset="0"/>
+                <a:cs typeface="Times New Roman" pitchFamily="18" charset="0"/>
+              </a:rPr>
+              <a:t>ОБРАЗОВАНИЯ</a:t>
+            </a:r>
+            <a:r>
+              <a:rPr kumimoji="0" lang="ru-RU" altLang="ru-RU" sz="1600" b="0" i="0" u="none" strike="noStrike" kern="1200" cap="none" spc="0" normalizeH="0" baseline="0" noProof="0" dirty="0" smtClean="0">
+                <a:ln>
+                  <a:noFill/>
+                </a:ln>
+                <a:effectLst/>
+                <a:uLnTx/>
+                <a:uFillTx/>
+                <a:latin typeface="Times New Roman" pitchFamily="18" charset="0"/>
+                <a:ea typeface="+mj-ea"/>
+                <a:cs typeface="Times New Roman" pitchFamily="18" charset="0"/>
+              </a:rPr>
+              <a:t> </a:t>
+            </a:r>
+            <a:r>
+              <a:rPr kumimoji="0" lang="ru-RU" altLang="ru-RU" sz="1600" b="0" i="0" u="none" strike="noStrike" kern="1200" cap="none" spc="0" normalizeH="0" baseline="0" noProof="0" dirty="0" smtClean="0">
+                <a:ln>
+                  <a:noFill/>
+                </a:ln>
+                <a:effectLst/>
+                <a:uLnTx/>
+                <a:uFillTx/>
+                <a:latin typeface="Times New Roman" pitchFamily="18" charset="0"/>
+                <a:ea typeface="+mj-ea"/>
+                <a:cs typeface="Times New Roman" pitchFamily="18" charset="0"/>
+              </a:rPr>
+              <a:t>РОССИЙСКОЙ ФЕДЕРАЦИИ</a:t>
             </a:r>
             <a:br>
               <a:rPr kumimoji="0" lang="ru-RU" altLang="ru-RU" sz="1600" b="0" i="0" u="none" strike="noStrike" kern="1200" cap="none" spc="0" normalizeH="0" baseline="0" noProof="0" dirty="0" smtClean="0">
@@ -18628,14 +18694,52 @@
                         </a:spcAft>
                       </a:pPr>
                       <a:r>
-                        <a:rPr lang="en-US" sz="1400">
+                        <a:rPr lang="en-US" sz="1400" dirty="0">
                           <a:latin typeface="Calibri"/>
                           <a:ea typeface="Times New Roman"/>
                           <a:cs typeface="Calibri"/>
                         </a:rPr>
-                        <a:t>-0.000012</a:t>
+                        <a:t>-</a:t>
                       </a:r>
-                      <a:endParaRPr lang="ru-RU" sz="1400">
+                      <a:r>
+                        <a:rPr lang="en-US" sz="1400" dirty="0" smtClean="0">
+                          <a:latin typeface="Calibri"/>
+                          <a:ea typeface="Times New Roman"/>
+                          <a:cs typeface="Calibri"/>
+                        </a:rPr>
+                        <a:t>0.000012</a:t>
+                      </a:r>
+                      <a:endParaRPr lang="ru-RU" sz="1400" dirty="0" smtClean="0">
+                        <a:latin typeface="Calibri"/>
+                        <a:ea typeface="Times New Roman"/>
+                        <a:cs typeface="Calibri"/>
+                      </a:endParaRPr>
+                    </a:p>
+                    <a:p>
+                      <a:pPr algn="ctr">
+                        <a:lnSpc>
+                          <a:spcPts val="1570"/>
+                        </a:lnSpc>
+                        <a:spcAft>
+                          <a:spcPts val="0"/>
+                        </a:spcAft>
+                      </a:pPr>
+                      <a:endParaRPr lang="ru-RU" sz="1400" dirty="0" smtClean="0">
+                        <a:latin typeface="Calibri"/>
+                        <a:ea typeface="Calibri"/>
+                        <a:cs typeface="Calibri"/>
+                      </a:endParaRPr>
+                    </a:p>
+                    <a:p>
+                      <a:pPr algn="ctr">
+                        <a:lnSpc>
+                          <a:spcPts val="1570"/>
+                        </a:lnSpc>
+                        <a:spcAft>
+                          <a:spcPts val="0"/>
+                        </a:spcAft>
+                      </a:pPr>
+                      <a:endParaRPr lang="ru-RU" sz="1400" dirty="0">
                         <a:latin typeface="Calibri"/>
                         <a:ea typeface="Calibri"/>
                         <a:cs typeface="Times New Roman"/>
@@ -18651,7 +18755,7 @@
                         </a:spcAft>
                       </a:pPr>
                       <a:r>
-                        <a:rPr lang="ru-RU" sz="1400">
+                        <a:rPr lang="ru-RU" sz="1400" dirty="0">
                           <a:latin typeface="Calibri"/>
                           <a:ea typeface="Times New Roman"/>
                           <a:cs typeface="Calibri"/>
@@ -18659,14 +18763,14 @@
                         <a:t>0.00000</a:t>
                       </a:r>
                       <a:r>
-                        <a:rPr lang="en-US" sz="1400">
+                        <a:rPr lang="en-US" sz="1400" dirty="0">
                           <a:latin typeface="Calibri"/>
                           <a:ea typeface="Times New Roman"/>
                           <a:cs typeface="Calibri"/>
                         </a:rPr>
                         <a:t>8</a:t>
                       </a:r>
-                      <a:endParaRPr lang="ru-RU" sz="1400">
+                      <a:endParaRPr lang="ru-RU" sz="1400" dirty="0">
                         <a:latin typeface="Calibri"/>
                         <a:ea typeface="Calibri"/>
                         <a:cs typeface="Times New Roman"/>
@@ -18848,14 +18952,44 @@
                         </a:spcAft>
                       </a:pPr>
                       <a:r>
-                        <a:rPr lang="en-US" sz="1400">
+                        <a:rPr lang="en-US" sz="1400" dirty="0" smtClean="0">
                           <a:latin typeface="Calibri"/>
                           <a:ea typeface="Times New Roman"/>
                           <a:cs typeface="Calibri"/>
                         </a:rPr>
                         <a:t>32045</a:t>
                       </a:r>
-                      <a:endParaRPr lang="ru-RU" sz="1400">
+                      <a:endParaRPr lang="ru-RU" sz="1400" dirty="0" smtClean="0">
+                        <a:latin typeface="Calibri"/>
+                        <a:ea typeface="Times New Roman"/>
+                        <a:cs typeface="Calibri"/>
+                      </a:endParaRPr>
+                    </a:p>
+                    <a:p>
+                      <a:pPr algn="ctr">
+                        <a:lnSpc>
+                          <a:spcPts val="1570"/>
+                        </a:lnSpc>
+                        <a:spcAft>
+                          <a:spcPts val="0"/>
+                        </a:spcAft>
+                      </a:pPr>
+                      <a:endParaRPr lang="ru-RU" sz="1400" dirty="0" smtClean="0">
+                        <a:latin typeface="Calibri"/>
+                        <a:ea typeface="Calibri"/>
+                        <a:cs typeface="Calibri"/>
+                      </a:endParaRPr>
+                    </a:p>
+                    <a:p>
+                      <a:pPr algn="ctr">
+                        <a:lnSpc>
+                          <a:spcPts val="1570"/>
+                        </a:lnSpc>
+                        <a:spcAft>
+                          <a:spcPts val="0"/>
+                        </a:spcAft>
+                      </a:pPr>
+                      <a:endParaRPr lang="ru-RU" sz="1400" dirty="0">
                         <a:latin typeface="Calibri"/>
                         <a:ea typeface="Calibri"/>
                         <a:cs typeface="Times New Roman"/>
@@ -18871,14 +19005,14 @@
                         </a:spcAft>
                       </a:pPr>
                       <a:r>
-                        <a:rPr lang="en-US" sz="1400">
+                        <a:rPr lang="en-US" sz="1400" dirty="0">
                           <a:latin typeface="Calibri"/>
                           <a:ea typeface="Times New Roman"/>
                           <a:cs typeface="Calibri"/>
                         </a:rPr>
                         <a:t>87616</a:t>
                       </a:r>
-                      <a:endParaRPr lang="ru-RU" sz="1400">
+                      <a:endParaRPr lang="ru-RU" sz="1400" dirty="0">
                         <a:latin typeface="Calibri"/>
                         <a:ea typeface="Calibri"/>
                         <a:cs typeface="Times New Roman"/>
@@ -33872,7 +34006,7 @@
             </a:r>
             <a:r>
               <a:rPr lang="en-US" dirty="0" smtClean="0"/>
-              <a:t>            </a:t>
+              <a:t>           </a:t>
             </a:r>
             <a:r>
               <a:rPr lang="ru-RU" dirty="0" smtClean="0"/>
@@ -33884,7 +34018,7 @@
             </a:r>
             <a:r>
               <a:rPr lang="ru-RU" dirty="0" smtClean="0"/>
-              <a:t>    </a:t>
+              <a:t>     </a:t>
             </a:r>
             <a:r>
               <a:rPr lang="en-US" i="1" dirty="0" smtClean="0">
@@ -33994,8 +34128,12 @@
                 <a:latin typeface="Cambria" pitchFamily="18" charset="0"/>
                 <a:ea typeface="Cambria" pitchFamily="18" charset="0"/>
               </a:rPr>
-              <a:t>и                     .</a:t>
+              <a:t> и                    .</a:t>
             </a:r>
+            <a:endParaRPr lang="ru-RU" dirty="0" smtClean="0">
+              <a:latin typeface="Cambria" pitchFamily="18" charset="0"/>
+              <a:ea typeface="Cambria" pitchFamily="18" charset="0"/>
+            </a:endParaRPr>
           </a:p>
           <a:p>
             <a:pPr marL="514350" indent="-514350">
@@ -34167,8 +34305,8 @@
         </p:blipFill>
         <p:spPr bwMode="auto">
           <a:xfrm>
-            <a:off x="1712640" y="1844824"/>
-            <a:ext cx="1008112" cy="414766"/>
+            <a:off x="1712640" y="1874450"/>
+            <a:ext cx="936104" cy="385140"/>
           </a:xfrm>
           <a:prstGeom prst="rect">
             <a:avLst/>
@@ -34242,8 +34380,8 @@
         </p:blipFill>
         <p:spPr bwMode="auto">
           <a:xfrm>
-            <a:off x="3008784" y="1916832"/>
-            <a:ext cx="864096" cy="350506"/>
+            <a:off x="2936776" y="1887623"/>
+            <a:ext cx="936104" cy="379715"/>
           </a:xfrm>
           <a:prstGeom prst="rect">
             <a:avLst/>
@@ -34730,7 +34868,7 @@
         </p:blipFill>
         <p:spPr bwMode="auto">
           <a:xfrm>
-            <a:off x="1928664" y="3964684"/>
+            <a:off x="1928664" y="4005064"/>
             <a:ext cx="1152128" cy="603496"/>
           </a:xfrm>
           <a:prstGeom prst="rect">
@@ -34805,7 +34943,7 @@
         </p:blipFill>
         <p:spPr bwMode="auto">
           <a:xfrm>
-            <a:off x="3584848" y="3964684"/>
+            <a:off x="3584848" y="4005064"/>
             <a:ext cx="1152128" cy="603496"/>
           </a:xfrm>
           <a:prstGeom prst="rect">

--- a/Documentation/Done/Презентация Бирюков 4412.pptx
+++ b/Documentation/Done/Презентация Бирюков 4412.pptx
@@ -210,7 +210,7 @@
             <a:fld id="{BAAF70DE-88EF-4337-B0E3-9F985545965B}" type="datetimeFigureOut">
               <a:rPr lang="ru-RU" smtClean="0"/>
               <a:pPr/>
-              <a:t>02.06.2019</a:t>
+              <a:t>09.06.2019</a:t>
             </a:fld>
             <a:endParaRPr lang="ru-RU"/>
           </a:p>
@@ -740,7 +740,7 @@
             <a:fld id="{5B106E36-FD25-4E2D-B0AA-010F637433A0}" type="datetimeFigureOut">
               <a:rPr lang="ru-RU" smtClean="0"/>
               <a:pPr/>
-              <a:t>02.06.2019</a:t>
+              <a:t>09.06.2019</a:t>
             </a:fld>
             <a:endParaRPr lang="ru-RU"/>
           </a:p>
@@ -907,7 +907,7 @@
             <a:fld id="{5B106E36-FD25-4E2D-B0AA-010F637433A0}" type="datetimeFigureOut">
               <a:rPr lang="ru-RU" smtClean="0"/>
               <a:pPr/>
-              <a:t>02.06.2019</a:t>
+              <a:t>09.06.2019</a:t>
             </a:fld>
             <a:endParaRPr lang="ru-RU"/>
           </a:p>
@@ -1084,7 +1084,7 @@
             <a:fld id="{5B106E36-FD25-4E2D-B0AA-010F637433A0}" type="datetimeFigureOut">
               <a:rPr lang="ru-RU" smtClean="0"/>
               <a:pPr/>
-              <a:t>02.06.2019</a:t>
+              <a:t>09.06.2019</a:t>
             </a:fld>
             <a:endParaRPr lang="ru-RU"/>
           </a:p>
@@ -1251,7 +1251,7 @@
             <a:fld id="{5B106E36-FD25-4E2D-B0AA-010F637433A0}" type="datetimeFigureOut">
               <a:rPr lang="ru-RU" smtClean="0"/>
               <a:pPr/>
-              <a:t>02.06.2019</a:t>
+              <a:t>09.06.2019</a:t>
             </a:fld>
             <a:endParaRPr lang="ru-RU"/>
           </a:p>
@@ -1494,7 +1494,7 @@
             <a:fld id="{5B106E36-FD25-4E2D-B0AA-010F637433A0}" type="datetimeFigureOut">
               <a:rPr lang="ru-RU" smtClean="0"/>
               <a:pPr/>
-              <a:t>02.06.2019</a:t>
+              <a:t>09.06.2019</a:t>
             </a:fld>
             <a:endParaRPr lang="ru-RU"/>
           </a:p>
@@ -1779,7 +1779,7 @@
             <a:fld id="{5B106E36-FD25-4E2D-B0AA-010F637433A0}" type="datetimeFigureOut">
               <a:rPr lang="ru-RU" smtClean="0"/>
               <a:pPr/>
-              <a:t>02.06.2019</a:t>
+              <a:t>09.06.2019</a:t>
             </a:fld>
             <a:endParaRPr lang="ru-RU"/>
           </a:p>
@@ -2198,7 +2198,7 @@
             <a:fld id="{5B106E36-FD25-4E2D-B0AA-010F637433A0}" type="datetimeFigureOut">
               <a:rPr lang="ru-RU" smtClean="0"/>
               <a:pPr/>
-              <a:t>02.06.2019</a:t>
+              <a:t>09.06.2019</a:t>
             </a:fld>
             <a:endParaRPr lang="ru-RU"/>
           </a:p>
@@ -2313,7 +2313,7 @@
             <a:fld id="{5B106E36-FD25-4E2D-B0AA-010F637433A0}" type="datetimeFigureOut">
               <a:rPr lang="ru-RU" smtClean="0"/>
               <a:pPr/>
-              <a:t>02.06.2019</a:t>
+              <a:t>09.06.2019</a:t>
             </a:fld>
             <a:endParaRPr lang="ru-RU"/>
           </a:p>
@@ -2405,7 +2405,7 @@
             <a:fld id="{5B106E36-FD25-4E2D-B0AA-010F637433A0}" type="datetimeFigureOut">
               <a:rPr lang="ru-RU" smtClean="0"/>
               <a:pPr/>
-              <a:t>02.06.2019</a:t>
+              <a:t>09.06.2019</a:t>
             </a:fld>
             <a:endParaRPr lang="ru-RU"/>
           </a:p>
@@ -2679,7 +2679,7 @@
             <a:fld id="{5B106E36-FD25-4E2D-B0AA-010F637433A0}" type="datetimeFigureOut">
               <a:rPr lang="ru-RU" smtClean="0"/>
               <a:pPr/>
-              <a:t>02.06.2019</a:t>
+              <a:t>09.06.2019</a:t>
             </a:fld>
             <a:endParaRPr lang="ru-RU"/>
           </a:p>
@@ -2929,7 +2929,7 @@
             <a:fld id="{5B106E36-FD25-4E2D-B0AA-010F637433A0}" type="datetimeFigureOut">
               <a:rPr lang="ru-RU" smtClean="0"/>
               <a:pPr/>
-              <a:t>02.06.2019</a:t>
+              <a:t>09.06.2019</a:t>
             </a:fld>
             <a:endParaRPr lang="ru-RU"/>
           </a:p>
@@ -3139,7 +3139,7 @@
             <a:fld id="{5B106E36-FD25-4E2D-B0AA-010F637433A0}" type="datetimeFigureOut">
               <a:rPr lang="ru-RU" smtClean="0"/>
               <a:pPr/>
-              <a:t>02.06.2019</a:t>
+              <a:t>09.06.2019</a:t>
             </a:fld>
             <a:endParaRPr lang="ru-RU"/>
           </a:p>
@@ -3810,21 +3810,7 @@
                 <a:ea typeface="+mj-ea"/>
                 <a:cs typeface="Times New Roman" pitchFamily="18" charset="0"/>
               </a:rPr>
-              <a:t>МИНИСТЕРСТВО </a:t>
-            </a:r>
-            <a:r>
-              <a:rPr kumimoji="0" lang="ru-RU" altLang="ru-RU" sz="1600" b="0" i="0" u="none" strike="noStrike" kern="1200" cap="none" spc="0" normalizeH="0" baseline="0" noProof="0" dirty="0" smtClean="0">
-                <a:ln>
-                  <a:noFill/>
-                </a:ln>
-                <a:effectLst/>
-                <a:uLnTx/>
-                <a:uFillTx/>
-                <a:latin typeface="Times New Roman" pitchFamily="18" charset="0"/>
-                <a:ea typeface="+mj-ea"/>
-                <a:cs typeface="Times New Roman" pitchFamily="18" charset="0"/>
-              </a:rPr>
-              <a:t>НАУКИ И</a:t>
+              <a:t>МИНИСТЕРСТВО НАУКИ И</a:t>
             </a:r>
             <a:r>
               <a:rPr kumimoji="0" lang="ru-RU" altLang="ru-RU" sz="1600" b="0" i="0" u="none" strike="noStrike" kern="1200" cap="none" spc="0" normalizeH="0" noProof="0" dirty="0" smtClean="0">
@@ -3873,21 +3859,7 @@
                 <a:ea typeface="+mj-ea"/>
                 <a:cs typeface="Times New Roman" pitchFamily="18" charset="0"/>
               </a:rPr>
-              <a:t> </a:t>
-            </a:r>
-            <a:r>
-              <a:rPr kumimoji="0" lang="ru-RU" altLang="ru-RU" sz="1600" b="0" i="0" u="none" strike="noStrike" kern="1200" cap="none" spc="0" normalizeH="0" baseline="0" noProof="0" dirty="0" smtClean="0">
-                <a:ln>
-                  <a:noFill/>
-                </a:ln>
-                <a:effectLst/>
-                <a:uLnTx/>
-                <a:uFillTx/>
-                <a:latin typeface="Times New Roman" pitchFamily="18" charset="0"/>
-                <a:ea typeface="+mj-ea"/>
-                <a:cs typeface="Times New Roman" pitchFamily="18" charset="0"/>
-              </a:rPr>
-              <a:t>РОССИЙСКОЙ ФЕДЕРАЦИИ</a:t>
+              <a:t> РОССИЙСКОЙ ФЕДЕРАЦИИ</a:t>
             </a:r>
             <a:br>
               <a:rPr kumimoji="0" lang="ru-RU" altLang="ru-RU" sz="1600" b="0" i="0" u="none" strike="noStrike" kern="1200" cap="none" spc="0" normalizeH="0" baseline="0" noProof="0" dirty="0" smtClean="0">
@@ -11965,51 +11937,23 @@
         <p:spPr>
           <a:xfrm>
             <a:off x="0" y="0"/>
-            <a:ext cx="9906000" cy="1143000"/>
+            <a:ext cx="9906000" cy="980728"/>
           </a:xfrm>
         </p:spPr>
         <p:txBody>
-          <a:bodyPr/>
+          <a:bodyPr>
+            <a:normAutofit/>
+          </a:bodyPr>
           <a:lstStyle/>
           <a:p>
             <a:r>
-              <a:rPr lang="ru-RU" dirty="0" smtClean="0"/>
+              <a:rPr lang="ru-RU" sz="4000" dirty="0" smtClean="0"/>
               <a:t>Расчёт тестовых примеров</a:t>
             </a:r>
-            <a:endParaRPr lang="ru-RU" dirty="0"/>
+            <a:endParaRPr lang="ru-RU" sz="4000" dirty="0"/>
           </a:p>
         </p:txBody>
       </p:sp>
-      <p:pic>
-        <p:nvPicPr>
-          <p:cNvPr id="16" name="Рисунок 15"/>
-          <p:cNvPicPr/>
-          <p:nvPr/>
-        </p:nvPicPr>
-        <p:blipFill>
-          <a:blip r:embed="rId2" cstate="print"/>
-          <a:srcRect/>
-          <a:stretch>
-            <a:fillRect/>
-          </a:stretch>
-        </p:blipFill>
-        <p:spPr bwMode="auto">
-          <a:xfrm>
-            <a:off x="128464" y="1412776"/>
-            <a:ext cx="4896544" cy="2376264"/>
-          </a:xfrm>
-          <a:prstGeom prst="rect">
-            <a:avLst/>
-          </a:prstGeom>
-          <a:noFill/>
-          <a:ln w="9525">
-            <a:noFill/>
-            <a:miter lim="800000"/>
-            <a:headEnd/>
-            <a:tailEnd/>
-          </a:ln>
-        </p:spPr>
-      </p:pic>
       <p:graphicFrame>
         <p:nvGraphicFramePr>
           <p:cNvPr id="35" name="Таблица 34"/>
@@ -13627,7 +13571,7 @@
                         </a:spcAft>
                       </a:pPr>
                       <a:r>
-                        <a:rPr lang="en-US" sz="1400">
+                        <a:rPr lang="en-US" sz="1400" dirty="0">
                           <a:latin typeface="Times New Roman"/>
                           <a:ea typeface="Times New Roman"/>
                           <a:cs typeface="Times New Roman"/>
@@ -13635,7 +13579,7 @@
                         <a:t>–0</a:t>
                       </a:r>
                       <a:r>
-                        <a:rPr lang="ru-RU" sz="1400">
+                        <a:rPr lang="ru-RU" sz="1400" dirty="0">
                           <a:latin typeface="Times New Roman"/>
                           <a:ea typeface="Times New Roman"/>
                           <a:cs typeface="Times New Roman"/>
@@ -13643,7 +13587,7 @@
                         <a:t>.</a:t>
                       </a:r>
                       <a:r>
-                        <a:rPr lang="en-US" sz="1400">
+                        <a:rPr lang="en-US" sz="1400" dirty="0">
                           <a:latin typeface="Times New Roman"/>
                           <a:ea typeface="Times New Roman"/>
                           <a:cs typeface="Times New Roman"/>
@@ -13651,14 +13595,14 @@
                         <a:t>0000</a:t>
                       </a:r>
                       <a:r>
-                        <a:rPr lang="ru-RU" sz="1400">
+                        <a:rPr lang="ru-RU" sz="1400" dirty="0">
                           <a:latin typeface="Times New Roman"/>
                           <a:ea typeface="Times New Roman"/>
                           <a:cs typeface="Times New Roman"/>
                         </a:rPr>
                         <a:t>13</a:t>
                       </a:r>
-                      <a:endParaRPr lang="ru-RU" sz="1100">
+                      <a:endParaRPr lang="ru-RU" sz="1100" dirty="0">
                         <a:latin typeface="Calibri"/>
                         <a:ea typeface="Calibri"/>
                         <a:cs typeface="Times New Roman"/>
@@ -15502,7 +15446,7 @@
           <p:nvPr/>
         </p:nvPicPr>
         <p:blipFill>
-          <a:blip r:embed="rId3" cstate="print">
+          <a:blip r:embed="rId2" cstate="print">
             <a:clrChange>
               <a:clrFrom>
                 <a:srgbClr val="FFFFFF"/>
@@ -15539,7 +15483,7 @@
           <p:nvPr/>
         </p:nvPicPr>
         <p:blipFill>
-          <a:blip r:embed="rId4" cstate="print">
+          <a:blip r:embed="rId3" cstate="print">
             <a:clrChange>
               <a:clrFrom>
                 <a:srgbClr val="FFFFFF"/>
@@ -15576,7 +15520,7 @@
           <p:nvPr/>
         </p:nvPicPr>
         <p:blipFill>
-          <a:blip r:embed="rId5" cstate="print">
+          <a:blip r:embed="rId4" cstate="print">
             <a:clrChange>
               <a:clrFrom>
                 <a:srgbClr val="FFFFFF"/>
@@ -15613,7 +15557,7 @@
           <p:nvPr/>
         </p:nvPicPr>
         <p:blipFill>
-          <a:blip r:embed="rId6" cstate="print">
+          <a:blip r:embed="rId5" cstate="print">
             <a:clrChange>
               <a:clrFrom>
                 <a:srgbClr val="FFFFFF"/>
@@ -15650,7 +15594,7 @@
           <p:nvPr/>
         </p:nvPicPr>
         <p:blipFill>
-          <a:blip r:embed="rId7" cstate="print">
+          <a:blip r:embed="rId6" cstate="print">
             <a:clrChange>
               <a:clrFrom>
                 <a:srgbClr val="FFFFFF"/>
@@ -15687,7 +15631,7 @@
           <p:nvPr/>
         </p:nvPicPr>
         <p:blipFill>
-          <a:blip r:embed="rId8" cstate="print">
+          <a:blip r:embed="rId7" cstate="print">
             <a:clrChange>
               <a:clrFrom>
                 <a:srgbClr val="FFFFFF"/>
@@ -15868,7 +15812,7 @@
           <p:nvPr/>
         </p:nvPicPr>
         <p:blipFill>
-          <a:blip r:embed="rId9" cstate="print">
+          <a:blip r:embed="rId8" cstate="print">
             <a:clrChange>
               <a:clrFrom>
                 <a:srgbClr val="FFFFFF"/>
@@ -15887,13 +15831,45 @@
         </p:blipFill>
         <p:spPr bwMode="auto">
           <a:xfrm>
-            <a:off x="3800872" y="980728"/>
-            <a:ext cx="2121502" cy="360040"/>
+            <a:off x="3368824" y="764704"/>
+            <a:ext cx="3394403" cy="576064"/>
           </a:xfrm>
           <a:prstGeom prst="rect">
             <a:avLst/>
           </a:prstGeom>
           <a:noFill/>
+        </p:spPr>
+      </p:pic>
+      <p:pic>
+        <p:nvPicPr>
+          <p:cNvPr id="1027" name="Picture 3"/>
+          <p:cNvPicPr>
+            <a:picLocks noChangeAspect="1" noChangeArrowheads="1"/>
+          </p:cNvPicPr>
+          <p:nvPr/>
+        </p:nvPicPr>
+        <p:blipFill>
+          <a:blip r:embed="rId9" cstate="print"/>
+          <a:srcRect/>
+          <a:stretch>
+            <a:fillRect/>
+          </a:stretch>
+        </p:blipFill>
+        <p:spPr bwMode="auto">
+          <a:xfrm>
+            <a:off x="200472" y="1340768"/>
+            <a:ext cx="5760640" cy="2448272"/>
+          </a:xfrm>
+          <a:prstGeom prst="rect">
+            <a:avLst/>
+          </a:prstGeom>
+          <a:noFill/>
+          <a:ln w="9525">
+            <a:noFill/>
+            <a:miter lim="800000"/>
+            <a:headEnd/>
+            <a:tailEnd/>
+          </a:ln>
         </p:spPr>
       </p:pic>
     </p:spTree>
@@ -15972,7 +15948,7 @@
         <p:spPr>
           <a:xfrm>
             <a:off x="0" y="0"/>
-            <a:ext cx="9906000" cy="1143000"/>
+            <a:ext cx="9906000" cy="980728"/>
           </a:xfrm>
           <a:prstGeom prst="rect">
             <a:avLst/>
@@ -16002,7 +15978,7 @@
               <a:defRPr/>
             </a:pPr>
             <a:r>
-              <a:rPr kumimoji="0" lang="ru-RU" sz="4400" b="0" i="0" u="none" strike="noStrike" kern="1200" cap="none" spc="0" normalizeH="0" baseline="0" noProof="0" dirty="0" smtClean="0">
+              <a:rPr kumimoji="0" lang="ru-RU" sz="4000" b="0" i="0" u="none" strike="noStrike" kern="1200" cap="none" spc="0" normalizeH="0" baseline="0" noProof="0" dirty="0" smtClean="0">
                 <a:ln>
                   <a:noFill/>
                 </a:ln>
@@ -16015,7 +15991,7 @@
               </a:rPr>
               <a:t>Расчёт тестовых примеров</a:t>
             </a:r>
-            <a:endParaRPr kumimoji="0" lang="ru-RU" sz="4400" b="0" i="0" u="none" strike="noStrike" kern="1200" cap="none" spc="0" normalizeH="0" baseline="0" noProof="0" dirty="0">
+            <a:endParaRPr kumimoji="0" lang="ru-RU" sz="4000" b="0" i="0" u="none" strike="noStrike" kern="1200" cap="none" spc="0" normalizeH="0" baseline="0" noProof="0" dirty="0">
               <a:ln>
                 <a:noFill/>
               </a:ln>
@@ -20325,8 +20301,8 @@
         </p:blipFill>
         <p:spPr bwMode="auto">
           <a:xfrm>
-            <a:off x="3656856" y="1052736"/>
-            <a:ext cx="2376264" cy="368512"/>
+            <a:off x="3224808" y="836712"/>
+            <a:ext cx="3600400" cy="558351"/>
           </a:xfrm>
           <a:prstGeom prst="rect">
             <a:avLst/>
@@ -20409,57 +20385,35 @@
         <p:spPr>
           <a:xfrm>
             <a:off x="0" y="0"/>
-            <a:ext cx="3512840" cy="6858000"/>
+            <a:ext cx="3512840" cy="2564904"/>
           </a:xfrm>
         </p:spPr>
         <p:txBody>
           <a:bodyPr>
-            <a:normAutofit/>
+            <a:noAutofit/>
           </a:bodyPr>
           <a:lstStyle/>
           <a:p>
             <a:r>
-              <a:rPr lang="ru-RU" dirty="0" smtClean="0"/>
-              <a:t>Структурная схема алгоритма для непрерывной функции одной переменной</a:t>
-            </a:r>
-            <a:endParaRPr lang="ru-RU" dirty="0"/>
+              <a:rPr lang="ru-RU" sz="3600" dirty="0" smtClean="0"/>
+              <a:t>Структурная схема алгоритма </a:t>
+            </a:r>
+            <a:r>
+              <a:rPr lang="ru-RU" sz="3600" dirty="0" smtClean="0"/>
+              <a:t>н</a:t>
+            </a:r>
+            <a:r>
+              <a:rPr lang="ru-RU" sz="3600" dirty="0" smtClean="0"/>
+              <a:t>епрерывной </a:t>
+            </a:r>
+            <a:r>
+              <a:rPr lang="ru-RU" sz="3600" dirty="0" smtClean="0"/>
+              <a:t>функции одной переменной</a:t>
+            </a:r>
+            <a:endParaRPr lang="ru-RU" sz="3600" dirty="0"/>
           </a:p>
         </p:txBody>
       </p:sp>
-      <p:pic>
-        <p:nvPicPr>
-          <p:cNvPr id="6145" name="Picture 1"/>
-          <p:cNvPicPr>
-            <a:picLocks noGrp="1" noChangeAspect="1" noChangeArrowheads="1"/>
-          </p:cNvPicPr>
-          <p:nvPr>
-            <p:ph idx="1"/>
-          </p:nvPr>
-        </p:nvPicPr>
-        <p:blipFill>
-          <a:blip r:embed="rId2" cstate="print"/>
-          <a:srcRect/>
-          <a:stretch>
-            <a:fillRect/>
-          </a:stretch>
-        </p:blipFill>
-        <p:spPr bwMode="auto">
-          <a:xfrm>
-            <a:off x="3512840" y="0"/>
-            <a:ext cx="6400104" cy="6858000"/>
-          </a:xfrm>
-          <a:prstGeom prst="rect">
-            <a:avLst/>
-          </a:prstGeom>
-          <a:noFill/>
-          <a:ln w="9525">
-            <a:noFill/>
-            <a:miter lim="800000"/>
-            <a:headEnd/>
-            <a:tailEnd/>
-          </a:ln>
-        </p:spPr>
-      </p:pic>
       <p:sp>
         <p:nvSpPr>
           <p:cNvPr id="4" name="TextBox 3"/>
@@ -20494,6 +20448,29 @@
           </a:p>
         </p:txBody>
       </p:sp>
+      <p:pic>
+        <p:nvPicPr>
+          <p:cNvPr id="10" name="Содержимое 9" descr="123.png"/>
+          <p:cNvPicPr>
+            <a:picLocks noGrp="1" noChangeAspect="1"/>
+          </p:cNvPicPr>
+          <p:nvPr>
+            <p:ph idx="1"/>
+          </p:nvPr>
+        </p:nvPicPr>
+        <p:blipFill>
+          <a:blip r:embed="rId2" cstate="print"/>
+          <a:stretch>
+            <a:fillRect/>
+          </a:stretch>
+        </p:blipFill>
+        <p:spPr>
+          <a:xfrm>
+            <a:off x="128464" y="116632"/>
+            <a:ext cx="9649072" cy="6624736"/>
+          </a:xfrm>
+        </p:spPr>
+      </p:pic>
     </p:spTree>
   </p:cSld>
   <p:clrMapOvr>
@@ -20539,57 +20516,31 @@
         <p:spPr>
           <a:xfrm>
             <a:off x="0" y="0"/>
-            <a:ext cx="3224808" cy="6858000"/>
+            <a:ext cx="4160912" cy="1988840"/>
           </a:xfrm>
         </p:spPr>
         <p:txBody>
           <a:bodyPr>
-            <a:normAutofit/>
+            <a:noAutofit/>
           </a:bodyPr>
           <a:lstStyle/>
           <a:p>
             <a:r>
-              <a:rPr lang="ru-RU" dirty="0" smtClean="0"/>
-              <a:t>Структурная схема алгоритма для функции двух переменных на брусе</a:t>
-            </a:r>
-            <a:endParaRPr lang="ru-RU" dirty="0"/>
+              <a:rPr lang="ru-RU" sz="3600" dirty="0" smtClean="0"/>
+              <a:t>Структурная схема алгоритма </a:t>
+            </a:r>
+            <a:r>
+              <a:rPr lang="ru-RU" sz="3600" dirty="0" smtClean="0"/>
+              <a:t>функции </a:t>
+            </a:r>
+            <a:r>
+              <a:rPr lang="ru-RU" sz="3600" dirty="0" smtClean="0"/>
+              <a:t>двух переменных на брусе</a:t>
+            </a:r>
+            <a:endParaRPr lang="ru-RU" sz="3600" dirty="0"/>
           </a:p>
         </p:txBody>
       </p:sp>
-      <p:pic>
-        <p:nvPicPr>
-          <p:cNvPr id="2051" name="Picture 3"/>
-          <p:cNvPicPr>
-            <a:picLocks noGrp="1" noChangeAspect="1" noChangeArrowheads="1"/>
-          </p:cNvPicPr>
-          <p:nvPr>
-            <p:ph idx="1"/>
-          </p:nvPr>
-        </p:nvPicPr>
-        <p:blipFill>
-          <a:blip r:embed="rId2" cstate="print"/>
-          <a:srcRect/>
-          <a:stretch>
-            <a:fillRect/>
-          </a:stretch>
-        </p:blipFill>
-        <p:spPr bwMode="auto">
-          <a:xfrm>
-            <a:off x="3152800" y="-31186"/>
-            <a:ext cx="6753200" cy="6889186"/>
-          </a:xfrm>
-          <a:prstGeom prst="rect">
-            <a:avLst/>
-          </a:prstGeom>
-          <a:noFill/>
-          <a:ln w="9525">
-            <a:noFill/>
-            <a:miter lim="800000"/>
-            <a:headEnd/>
-            <a:tailEnd/>
-          </a:ln>
-        </p:spPr>
-      </p:pic>
       <p:sp>
         <p:nvSpPr>
           <p:cNvPr id="4" name="TextBox 3"/>
@@ -20598,7 +20549,7 @@
         </p:nvSpPr>
         <p:spPr>
           <a:xfrm>
-            <a:off x="8841432" y="-27384"/>
+            <a:off x="8841432" y="0"/>
             <a:ext cx="1064568" cy="646331"/>
           </a:xfrm>
           <a:prstGeom prst="rect">
@@ -20624,6 +20575,29 @@
           </a:p>
         </p:txBody>
       </p:sp>
+      <p:pic>
+        <p:nvPicPr>
+          <p:cNvPr id="8" name="Содержимое 7" descr="чфвысчфыв.png"/>
+          <p:cNvPicPr>
+            <a:picLocks noGrp="1" noChangeAspect="1"/>
+          </p:cNvPicPr>
+          <p:nvPr>
+            <p:ph idx="1"/>
+          </p:nvPr>
+        </p:nvPicPr>
+        <p:blipFill>
+          <a:blip r:embed="rId2" cstate="print"/>
+          <a:stretch>
+            <a:fillRect/>
+          </a:stretch>
+        </p:blipFill>
+        <p:spPr>
+          <a:xfrm>
+            <a:off x="0" y="116632"/>
+            <a:ext cx="9777536" cy="6741368"/>
+          </a:xfrm>
+        </p:spPr>
+      </p:pic>
     </p:spTree>
   </p:cSld>
   <p:clrMapOvr>
@@ -21817,7 +21791,7 @@
         <p:spPr>
           <a:xfrm>
             <a:off x="0" y="0"/>
-            <a:ext cx="9906000" cy="1143000"/>
+            <a:ext cx="9906000" cy="1196752"/>
           </a:xfrm>
         </p:spPr>
         <p:txBody>
@@ -21828,7 +21802,22 @@
           <a:p>
             <a:r>
               <a:rPr lang="ru-RU" dirty="0" smtClean="0"/>
-              <a:t>Постановка задачи для одномерного случая</a:t>
+              <a:t>Постановка задачи для </a:t>
+            </a:r>
+            <a:r>
+              <a:rPr lang="ru-RU" dirty="0" smtClean="0"/>
+              <a:t>одномерного</a:t>
+            </a:r>
+            <a:br>
+              <a:rPr lang="ru-RU" dirty="0" smtClean="0"/>
+            </a:br>
+            <a:r>
+              <a:rPr lang="ru-RU" dirty="0" smtClean="0"/>
+              <a:t> </a:t>
+            </a:r>
+            <a:r>
+              <a:rPr lang="ru-RU" dirty="0" smtClean="0"/>
+              <a:t>случая</a:t>
             </a:r>
             <a:endParaRPr lang="ru-RU" dirty="0"/>
           </a:p>
@@ -23223,51 +23212,19 @@
           </a:xfrm>
         </p:spPr>
         <p:txBody>
-          <a:bodyPr/>
+          <a:bodyPr>
+            <a:normAutofit/>
+          </a:bodyPr>
           <a:lstStyle/>
           <a:p>
             <a:r>
-              <a:rPr lang="ru-RU" dirty="0" smtClean="0"/>
+              <a:rPr lang="ru-RU" sz="4000" dirty="0" smtClean="0"/>
               <a:t>Пример (Н.К. Арутюнова)</a:t>
             </a:r>
-            <a:endParaRPr lang="ru-RU" dirty="0"/>
+            <a:endParaRPr lang="ru-RU" sz="4000" dirty="0"/>
           </a:p>
         </p:txBody>
       </p:sp>
-      <p:pic>
-        <p:nvPicPr>
-          <p:cNvPr id="17" name="Содержимое 16"/>
-          <p:cNvPicPr>
-            <a:picLocks noGrp="1"/>
-          </p:cNvPicPr>
-          <p:nvPr>
-            <p:ph sz="half" idx="1"/>
-          </p:nvPr>
-        </p:nvPicPr>
-        <p:blipFill>
-          <a:blip r:embed="rId2" cstate="print"/>
-          <a:srcRect/>
-          <a:stretch>
-            <a:fillRect/>
-          </a:stretch>
-        </p:blipFill>
-        <p:spPr bwMode="auto">
-          <a:xfrm>
-            <a:off x="128464" y="1556792"/>
-            <a:ext cx="9577064" cy="5184576"/>
-          </a:xfrm>
-          <a:prstGeom prst="rect">
-            <a:avLst/>
-          </a:prstGeom>
-          <a:noFill/>
-          <a:ln w="9525">
-            <a:noFill/>
-            <a:miter lim="800000"/>
-            <a:headEnd/>
-            <a:tailEnd/>
-          </a:ln>
-        </p:spPr>
-      </p:pic>
       <p:sp>
         <p:nvSpPr>
           <p:cNvPr id="12296" name="Rectangle 8"/>
@@ -23353,7 +23310,7 @@
           <p:nvPr/>
         </p:nvPicPr>
         <p:blipFill>
-          <a:blip r:embed="rId3" cstate="print">
+          <a:blip r:embed="rId2" cstate="print">
             <a:clrChange>
               <a:clrFrom>
                 <a:srgbClr val="FFFFFF"/>
@@ -23372,8 +23329,8 @@
         </p:blipFill>
         <p:spPr bwMode="auto">
           <a:xfrm>
-            <a:off x="2144688" y="1124744"/>
-            <a:ext cx="5739840" cy="348233"/>
+            <a:off x="1640632" y="1052736"/>
+            <a:ext cx="6926730" cy="420241"/>
           </a:xfrm>
           <a:prstGeom prst="rect">
             <a:avLst/>
@@ -23411,6 +23368,40 @@
           </a:p>
         </p:txBody>
       </p:sp>
+      <p:pic>
+        <p:nvPicPr>
+          <p:cNvPr id="11" name="Picture 2"/>
+          <p:cNvPicPr>
+            <a:picLocks noGrp="1" noChangeAspect="1" noChangeArrowheads="1"/>
+          </p:cNvPicPr>
+          <p:nvPr>
+            <p:ph sz="half" idx="1"/>
+          </p:nvPr>
+        </p:nvPicPr>
+        <p:blipFill>
+          <a:blip r:embed="rId3" cstate="print"/>
+          <a:srcRect/>
+          <a:stretch>
+            <a:fillRect/>
+          </a:stretch>
+        </p:blipFill>
+        <p:spPr bwMode="auto">
+          <a:xfrm>
+            <a:off x="200472" y="1628800"/>
+            <a:ext cx="9361040" cy="4943725"/>
+          </a:xfrm>
+          <a:prstGeom prst="rect">
+            <a:avLst/>
+          </a:prstGeom>
+          <a:noFill/>
+          <a:ln w="9525">
+            <a:noFill/>
+            <a:miter lim="800000"/>
+            <a:headEnd/>
+            <a:tailEnd/>
+          </a:ln>
+        </p:spPr>
+      </p:pic>
     </p:spTree>
   </p:cSld>
   <p:clrMapOvr>
@@ -23460,14 +23451,16 @@
           </a:xfrm>
         </p:spPr>
         <p:txBody>
-          <a:bodyPr/>
+          <a:bodyPr>
+            <a:normAutofit/>
+          </a:bodyPr>
           <a:lstStyle/>
           <a:p>
             <a:r>
-              <a:rPr lang="ru-RU" dirty="0" smtClean="0"/>
+              <a:rPr lang="ru-RU" sz="4000" dirty="0" smtClean="0"/>
               <a:t>Пример (Н.К. Арутюнова)</a:t>
             </a:r>
-            <a:endParaRPr lang="ru-RU" dirty="0"/>
+            <a:endParaRPr lang="ru-RU" sz="4000" dirty="0"/>
           </a:p>
         </p:txBody>
       </p:sp>
@@ -34130,10 +34123,6 @@
               </a:rPr>
               <a:t> и                    .</a:t>
             </a:r>
-            <a:endParaRPr lang="ru-RU" dirty="0" smtClean="0">
-              <a:latin typeface="Cambria" pitchFamily="18" charset="0"/>
-              <a:ea typeface="Cambria" pitchFamily="18" charset="0"/>
-            </a:endParaRPr>
           </a:p>
           <a:p>
             <a:pPr marL="514350" indent="-514350">
